--- a/ML_Assignment03_Mahad_Mansoor_Waqar.pptx
+++ b/ML_Assignment03_Mahad_Mansoor_Waqar.pptx
@@ -6112,7 +6112,7 @@
 <dgm:dataModel xmlns:dgm="http://schemas.openxmlformats.org/drawingml/2006/diagram" xmlns:a="http://schemas.openxmlformats.org/drawingml/2006/main">
   <dgm:ptLst>
     <dgm:pt modelId="{21E4E41B-99D1-4DF7-B5A9-8B04FCD45052}" type="doc">
-      <dgm:prSet loTypeId="urn:microsoft.com/office/officeart/2016/7/layout/RepeatingBendingProcessNew" loCatId="process" qsTypeId="urn:microsoft.com/office/officeart/2005/8/quickstyle/simple4" qsCatId="simple" csTypeId="urn:microsoft.com/office/officeart/2005/8/colors/accent1_2" csCatId="accent1"/>
+      <dgm:prSet loTypeId="urn:microsoft.com/office/officeart/2016/7/layout/RepeatingBendingProcessNew" loCatId="process" qsTypeId="urn:microsoft.com/office/officeart/2005/8/quickstyle/simple4" qsCatId="simple" csTypeId="urn:microsoft.com/office/officeart/2005/8/colors/accent1_2" csCatId="accent1" phldr="1"/>
       <dgm:spPr/>
       <dgm:t>
         <a:bodyPr/>
@@ -6130,8 +6130,8 @@
         <a:lstStyle/>
         <a:p>
           <a:r>
-            <a:rPr lang="en-US"/>
-            <a:t>- Importance of Clustering in Healthcare:</a:t>
+            <a:rPr lang="en-US" dirty="0"/>
+            <a:t>Importance of Clustering in Healthcare:</a:t>
           </a:r>
         </a:p>
       </dgm:t>
@@ -6166,8 +6166,8 @@
         <a:lstStyle/>
         <a:p>
           <a:r>
-            <a:rPr lang="en-US"/>
-            <a:t>- Identifying patterns in patient data.</a:t>
+            <a:rPr lang="en-US" dirty="0"/>
+            <a:t>Identifying patterns in patient data.</a:t>
           </a:r>
         </a:p>
       </dgm:t>
@@ -6202,8 +6202,8 @@
         <a:lstStyle/>
         <a:p>
           <a:r>
-            <a:rPr lang="en-US"/>
-            <a:t>- Enabling personalized treatment.</a:t>
+            <a:rPr lang="en-US" dirty="0"/>
+            <a:t>Enabling personalized treatment.</a:t>
           </a:r>
         </a:p>
       </dgm:t>
@@ -6238,8 +6238,8 @@
         <a:lstStyle/>
         <a:p>
           <a:r>
-            <a:rPr lang="en-US"/>
-            <a:t>- Challenges:</a:t>
+            <a:rPr lang="en-US" dirty="0"/>
+            <a:t>Challenges</a:t>
           </a:r>
         </a:p>
       </dgm:t>
@@ -6274,8 +6274,8 @@
         <a:lstStyle/>
         <a:p>
           <a:r>
-            <a:rPr lang="en-US"/>
-            <a:t>- Noisy and incomplete data.</a:t>
+            <a:rPr lang="en-US" dirty="0"/>
+            <a:t>Noisy and incomplete data.</a:t>
           </a:r>
         </a:p>
       </dgm:t>
@@ -6310,8 +6310,8 @@
         <a:lstStyle/>
         <a:p>
           <a:r>
-            <a:rPr lang="en-US"/>
-            <a:t>- High dimensionality.</a:t>
+            <a:rPr lang="en-US" dirty="0"/>
+            <a:t>High dimensionality.</a:t>
           </a:r>
         </a:p>
       </dgm:t>
@@ -6346,8 +6346,8 @@
         <a:lstStyle/>
         <a:p>
           <a:r>
-            <a:rPr lang="en-US"/>
-            <a:t>- Real-time processing needs.</a:t>
+            <a:rPr lang="en-US" dirty="0"/>
+            <a:t>Real-time processing needs.</a:t>
           </a:r>
         </a:p>
       </dgm:t>
@@ -6573,8 +6573,8 @@
             </a:lnSpc>
           </a:pPr>
           <a:r>
-            <a:rPr lang="en-US"/>
-            <a:t>- Traditional Algorithms’ Shortcomings:</a:t>
+            <a:rPr lang="en-US" dirty="0"/>
+            <a:t>Traditional Algorithms’ Shortcomings</a:t>
           </a:r>
         </a:p>
       </dgm:t>
@@ -6614,8 +6614,8 @@
             </a:lnSpc>
           </a:pPr>
           <a:r>
-            <a:rPr lang="en-US"/>
-            <a:t>- FCM: Sensitive to noise and outliers.</a:t>
+            <a:rPr lang="en-US" dirty="0"/>
+            <a:t>FCM: Sensitive to noise and outliers.</a:t>
           </a:r>
         </a:p>
       </dgm:t>
@@ -6655,8 +6655,8 @@
             </a:lnSpc>
           </a:pPr>
           <a:r>
-            <a:rPr lang="en-US"/>
-            <a:t>- Scalability issues with high-dimensional data.</a:t>
+            <a:rPr lang="en-US" dirty="0"/>
+            <a:t>Scalability issues with high-dimensional data.</a:t>
           </a:r>
         </a:p>
       </dgm:t>
@@ -6696,8 +6696,8 @@
             </a:lnSpc>
           </a:pPr>
           <a:r>
-            <a:rPr lang="en-US"/>
-            <a:t>- Limited interpretability for overlapping clusters.</a:t>
+            <a:rPr lang="en-US" dirty="0"/>
+            <a:t>Limited interpretability for overlapping clusters.</a:t>
           </a:r>
         </a:p>
       </dgm:t>
@@ -6737,8 +6737,8 @@
             </a:lnSpc>
           </a:pPr>
           <a:r>
-            <a:rPr lang="en-US"/>
-            <a:t>- Objective: Develop a robust and scalable soft clustering algorithm.</a:t>
+            <a:rPr lang="en-US" dirty="0"/>
+            <a:t>Objective: Develop a robust and scalable soft clustering algorithm.</a:t>
           </a:r>
         </a:p>
       </dgm:t>
@@ -7075,8 +7075,8 @@
             </a:lnSpc>
           </a:pPr>
           <a:r>
-            <a:rPr lang="en-US"/>
-            <a:t>- Key Features:</a:t>
+            <a:rPr lang="en-US" dirty="0"/>
+            <a:t>Key Features</a:t>
           </a:r>
         </a:p>
       </dgm:t>
@@ -7116,8 +7116,8 @@
             </a:lnSpc>
           </a:pPr>
           <a:r>
-            <a:rPr lang="en-US"/>
-            <a:t>- Hybrid Distance Metric: Combines Euclidean and Mahalanobis distances.</a:t>
+            <a:rPr lang="en-US" dirty="0"/>
+            <a:t>Hybrid Distance Metric: Combines Euclidean and Mahalanobis distances.</a:t>
           </a:r>
         </a:p>
       </dgm:t>
@@ -7157,8 +7157,8 @@
             </a:lnSpc>
           </a:pPr>
           <a:r>
-            <a:rPr lang="en-US"/>
-            <a:t>- Dynamic Membership Updates: Adapts to data uncertainty.</a:t>
+            <a:rPr lang="en-US" dirty="0"/>
+            <a:t>Dynamic Membership Updates: Adapts to data uncertainty.</a:t>
           </a:r>
         </a:p>
       </dgm:t>
@@ -7198,8 +7198,8 @@
             </a:lnSpc>
           </a:pPr>
           <a:r>
-            <a:rPr lang="en-US"/>
-            <a:t>- Noise Cluster Inclusion: Handles outliers effectively.</a:t>
+            <a:rPr lang="en-US" dirty="0"/>
+            <a:t>Noise Cluster Inclusion: Handles outliers effectively.</a:t>
           </a:r>
         </a:p>
       </dgm:t>
@@ -7239,8 +7239,8 @@
             </a:lnSpc>
           </a:pPr>
           <a:r>
-            <a:rPr lang="en-US"/>
-            <a:t>- Advantages:</a:t>
+            <a:rPr lang="en-US" dirty="0"/>
+            <a:t>Advantages</a:t>
           </a:r>
         </a:p>
       </dgm:t>
@@ -7280,8 +7280,8 @@
             </a:lnSpc>
           </a:pPr>
           <a:r>
-            <a:rPr lang="en-US"/>
-            <a:t>- Enhanced accuracy and noise resilience.</a:t>
+            <a:rPr lang="en-US" dirty="0"/>
+            <a:t>Enhanced accuracy and noise resilience.</a:t>
           </a:r>
         </a:p>
       </dgm:t>
@@ -7321,8 +7321,8 @@
             </a:lnSpc>
           </a:pPr>
           <a:r>
-            <a:rPr lang="en-US"/>
-            <a:t>- Real-time suitability.</a:t>
+            <a:rPr lang="en-US" dirty="0"/>
+            <a:t>Real-time suitability.</a:t>
           </a:r>
         </a:p>
       </dgm:t>
@@ -7742,7 +7742,7 @@
 <dgm:dataModel xmlns:dgm="http://schemas.openxmlformats.org/drawingml/2006/diagram" xmlns:a="http://schemas.openxmlformats.org/drawingml/2006/main">
   <dgm:ptLst>
     <dgm:pt modelId="{EE433454-3F7D-4EF8-A40E-163D48541138}" type="doc">
-      <dgm:prSet loTypeId="urn:microsoft.com/office/officeart/2005/8/layout/cycle2" loCatId="cycle" qsTypeId="urn:microsoft.com/office/officeart/2005/8/quickstyle/simple1" qsCatId="simple" csTypeId="urn:microsoft.com/office/officeart/2005/8/colors/accent1_2" csCatId="accent1"/>
+      <dgm:prSet loTypeId="urn:microsoft.com/office/officeart/2005/8/layout/cycle2" loCatId="cycle" qsTypeId="urn:microsoft.com/office/officeart/2005/8/quickstyle/simple1" qsCatId="simple" csTypeId="urn:microsoft.com/office/officeart/2005/8/colors/accent1_2" csCatId="accent1" phldr="1"/>
       <dgm:spPr/>
       <dgm:t>
         <a:bodyPr/>
@@ -7760,8 +7760,8 @@
         <a:lstStyle/>
         <a:p>
           <a:r>
-            <a:rPr lang="en-US"/>
-            <a:t>- Workflow:</a:t>
+            <a:rPr lang="en-US" dirty="0"/>
+            <a:t>Workflow:</a:t>
           </a:r>
         </a:p>
       </dgm:t>
@@ -7940,8 +7940,8 @@
         <a:lstStyle/>
         <a:p>
           <a:r>
-            <a:rPr lang="en-US"/>
-            <a:t>- Parameters:</a:t>
+            <a:rPr lang="en-US" dirty="0"/>
+            <a:t>Parameters</a:t>
           </a:r>
         </a:p>
       </dgm:t>
@@ -7976,8 +7976,8 @@
         <a:lstStyle/>
         <a:p>
           <a:r>
-            <a:rPr lang="en-US"/>
-            <a:t>- Number of clusters (k).</a:t>
+            <a:rPr lang="en-US" dirty="0"/>
+            <a:t>Number of clusters (k).</a:t>
           </a:r>
         </a:p>
       </dgm:t>
@@ -8012,8 +8012,8 @@
         <a:lstStyle/>
         <a:p>
           <a:r>
-            <a:rPr lang="en-US"/>
-            <a:t>- Fuzziness parameter (m).</a:t>
+            <a:rPr lang="en-US" dirty="0"/>
+            <a:t>Fuzziness parameter (m).</a:t>
           </a:r>
         </a:p>
       </dgm:t>
@@ -8048,8 +8048,8 @@
         <a:lstStyle/>
         <a:p>
           <a:r>
-            <a:rPr lang="en-US"/>
-            <a:t>- Hybridization coefficient (α).</a:t>
+            <a:rPr lang="en-US" dirty="0"/>
+            <a:t>Hybridization coefficient (α).</a:t>
           </a:r>
         </a:p>
       </dgm:t>
@@ -8310,7 +8310,7 @@
 <dgm:dataModel xmlns:dgm="http://schemas.openxmlformats.org/drawingml/2006/diagram" xmlns:a="http://schemas.openxmlformats.org/drawingml/2006/main">
   <dgm:ptLst>
     <dgm:pt modelId="{5C725BC8-BF28-41AD-99EB-4E408D94CD63}" type="doc">
-      <dgm:prSet loTypeId="urn:microsoft.com/office/officeart/2005/8/layout/vList2" loCatId="list" qsTypeId="urn:microsoft.com/office/officeart/2005/8/quickstyle/simple1" qsCatId="simple" csTypeId="urn:microsoft.com/office/officeart/2005/8/colors/accent1_2" csCatId="accent1"/>
+      <dgm:prSet loTypeId="urn:microsoft.com/office/officeart/2005/8/layout/vList2" loCatId="list" qsTypeId="urn:microsoft.com/office/officeart/2005/8/quickstyle/simple1" qsCatId="simple" csTypeId="urn:microsoft.com/office/officeart/2005/8/colors/accent1_2" csCatId="accent1" phldr="1"/>
       <dgm:spPr/>
       <dgm:t>
         <a:bodyPr/>
@@ -8328,8 +8328,8 @@
         <a:lstStyle/>
         <a:p>
           <a:r>
-            <a:rPr lang="en-US"/>
-            <a:t>- Datasets:</a:t>
+            <a:rPr lang="en-US" dirty="0"/>
+            <a:t>Datasets</a:t>
           </a:r>
         </a:p>
       </dgm:t>
@@ -8364,8 +8364,8 @@
         <a:lstStyle/>
         <a:p>
           <a:r>
-            <a:rPr lang="en-US"/>
-            <a:t>- Synthetic noisy 2D datasets.</a:t>
+            <a:rPr lang="en-US" dirty="0"/>
+            <a:t>Synthetic noisy 2D datasets.</a:t>
           </a:r>
         </a:p>
       </dgm:t>
@@ -8400,8 +8400,8 @@
         <a:lstStyle/>
         <a:p>
           <a:r>
-            <a:rPr lang="en-US"/>
-            <a:t>- Real-world healthcare dataset (e.g., UCI Heart Disease dataset).</a:t>
+            <a:rPr lang="en-US" dirty="0"/>
+            <a:t>Real-world healthcare dataset (e.g., UCI Heart Disease dataset).</a:t>
           </a:r>
         </a:p>
       </dgm:t>
@@ -8436,8 +8436,8 @@
         <a:lstStyle/>
         <a:p>
           <a:r>
-            <a:rPr lang="en-US"/>
-            <a:t>- Performance Metrics:</a:t>
+            <a:rPr lang="en-US" dirty="0"/>
+            <a:t>Performance Metrics</a:t>
           </a:r>
         </a:p>
       </dgm:t>
@@ -8472,8 +8472,8 @@
         <a:lstStyle/>
         <a:p>
           <a:r>
-            <a:rPr lang="en-US"/>
-            <a:t>- Accuracy: Enhanced Algorithm (92%) vs. FCM (85%).</a:t>
+            <a:rPr lang="en-US" dirty="0"/>
+            <a:t>Accuracy: Enhanced Algorithm (92%) vs. FCM (85%).</a:t>
           </a:r>
         </a:p>
       </dgm:t>
@@ -8508,8 +8508,8 @@
         <a:lstStyle/>
         <a:p>
           <a:r>
-            <a:rPr lang="en-US"/>
-            <a:t>- Silhouette Score: Enhanced (0.78) vs. FCM (0.65).</a:t>
+            <a:rPr lang="en-US" dirty="0"/>
+            <a:t>Silhouette Score: Enhanced (0.78) vs. FCM (0.65).</a:t>
           </a:r>
         </a:p>
       </dgm:t>
@@ -8544,8 +8544,8 @@
         <a:lstStyle/>
         <a:p>
           <a:r>
-            <a:rPr lang="en-US"/>
-            <a:t>- Execution Time: Comparable with superior noise handling.</a:t>
+            <a:rPr lang="en-US" dirty="0"/>
+            <a:t>Execution Time: Comparable with superior noise handling.</a:t>
           </a:r>
         </a:p>
       </dgm:t>
@@ -8713,7 +8713,7 @@
 <dgm:dataModel xmlns:dgm="http://schemas.openxmlformats.org/drawingml/2006/diagram" xmlns:a="http://schemas.openxmlformats.org/drawingml/2006/main">
   <dgm:ptLst>
     <dgm:pt modelId="{42F3342B-9F0B-4729-B0FF-7ED21E2FCA1B}" type="doc">
-      <dgm:prSet loTypeId="urn:microsoft.com/office/officeart/2005/8/layout/arrow5" loCatId="relationship" qsTypeId="urn:microsoft.com/office/officeart/2005/8/quickstyle/simple1" qsCatId="simple" csTypeId="urn:microsoft.com/office/officeart/2005/8/colors/accent1_2" csCatId="accent1"/>
+      <dgm:prSet loTypeId="urn:microsoft.com/office/officeart/2005/8/layout/arrow5" loCatId="relationship" qsTypeId="urn:microsoft.com/office/officeart/2005/8/quickstyle/simple1" qsCatId="simple" csTypeId="urn:microsoft.com/office/officeart/2005/8/colors/accent1_2" csCatId="accent1" phldr="1"/>
       <dgm:spPr/>
       <dgm:t>
         <a:bodyPr/>
@@ -8731,8 +8731,8 @@
         <a:lstStyle/>
         <a:p>
           <a:r>
-            <a:rPr lang="en-US"/>
-            <a:t>- Visuals:</a:t>
+            <a:rPr lang="en-US" dirty="0"/>
+            <a:t>Visuals</a:t>
           </a:r>
         </a:p>
       </dgm:t>
@@ -8767,8 +8767,8 @@
         <a:lstStyle/>
         <a:p>
           <a:r>
-            <a:rPr lang="en-US"/>
-            <a:t>- Cluster Maps: Clear separation of overlapping clusters.</a:t>
+            <a:rPr lang="en-US" dirty="0"/>
+            <a:t>Cluster Maps: Clear separation of overlapping clusters.</a:t>
           </a:r>
         </a:p>
       </dgm:t>
@@ -8803,8 +8803,8 @@
         <a:lstStyle/>
         <a:p>
           <a:r>
-            <a:rPr lang="en-US"/>
-            <a:t>- Performance Graphs:</a:t>
+            <a:rPr lang="en-US" dirty="0"/>
+            <a:t>Performance Graphs</a:t>
           </a:r>
         </a:p>
       </dgm:t>
@@ -8839,8 +8839,8 @@
         <a:lstStyle/>
         <a:p>
           <a:r>
-            <a:rPr lang="en-US"/>
-            <a:t>- Accuracy vs. Noise Levels.</a:t>
+            <a:rPr lang="en-US" dirty="0"/>
+            <a:t>Accuracy vs. Noise Levels.</a:t>
           </a:r>
         </a:p>
       </dgm:t>
@@ -8875,8 +8875,8 @@
         <a:lstStyle/>
         <a:p>
           <a:r>
-            <a:rPr lang="en-US"/>
-            <a:t>- Execution Time vs. Dataset Size.</a:t>
+            <a:rPr lang="en-US" dirty="0"/>
+            <a:t>Execution Time vs. Dataset Size.</a:t>
           </a:r>
         </a:p>
       </dgm:t>
@@ -8911,8 +8911,8 @@
         <a:lstStyle/>
         <a:p>
           <a:r>
-            <a:rPr lang="en-US"/>
-            <a:t>- Silhouette Analysis: Improved clustering quality.</a:t>
+            <a:rPr lang="en-US" dirty="0"/>
+            <a:t>Silhouette Analysis: Improved clustering quality.</a:t>
           </a:r>
         </a:p>
       </dgm:t>
@@ -9032,7 +9032,7 @@
 <dgm:dataModel xmlns:dgm="http://schemas.openxmlformats.org/drawingml/2006/diagram" xmlns:a="http://schemas.openxmlformats.org/drawingml/2006/main">
   <dgm:ptLst>
     <dgm:pt modelId="{62A2CEAD-E6B6-4CAF-9AD4-8B2EAF24D5E4}" type="doc">
-      <dgm:prSet loTypeId="urn:microsoft.com/office/officeart/2005/8/layout/default" loCatId="list" qsTypeId="urn:microsoft.com/office/officeart/2005/8/quickstyle/simple1" qsCatId="simple" csTypeId="urn:microsoft.com/office/officeart/2005/8/colors/accent1_2" csCatId="accent1"/>
+      <dgm:prSet loTypeId="urn:microsoft.com/office/officeart/2005/8/layout/default" loCatId="list" qsTypeId="urn:microsoft.com/office/officeart/2005/8/quickstyle/simple1" qsCatId="simple" csTypeId="urn:microsoft.com/office/officeart/2005/8/colors/accent1_2" csCatId="accent1" phldr="1"/>
       <dgm:spPr/>
       <dgm:t>
         <a:bodyPr/>
@@ -9050,8 +9050,8 @@
         <a:lstStyle/>
         <a:p>
           <a:r>
-            <a:rPr lang="en-US"/>
-            <a:t>- Optimization Strategies:</a:t>
+            <a:rPr lang="en-US" dirty="0"/>
+            <a:t>Optimization Strategies</a:t>
           </a:r>
         </a:p>
       </dgm:t>
@@ -9086,8 +9086,8 @@
         <a:lstStyle/>
         <a:p>
           <a:r>
-            <a:rPr lang="en-US"/>
-            <a:t>- Efficient updates reduce computational overhead.</a:t>
+            <a:rPr lang="en-US" dirty="0"/>
+            <a:t>Efficient updates reduce computational overhead.</a:t>
           </a:r>
         </a:p>
       </dgm:t>
@@ -9122,8 +9122,8 @@
         <a:lstStyle/>
         <a:p>
           <a:r>
-            <a:rPr lang="en-US"/>
-            <a:t>- Scalable for high-dimensional datasets.</a:t>
+            <a:rPr lang="en-US" dirty="0"/>
+            <a:t>Scalable for high-dimensional datasets.</a:t>
           </a:r>
         </a:p>
       </dgm:t>
@@ -9158,8 +9158,8 @@
         <a:lstStyle/>
         <a:p>
           <a:r>
-            <a:rPr lang="en-US"/>
-            <a:t>- Real-Time Processing:</a:t>
+            <a:rPr lang="en-US" dirty="0"/>
+            <a:t>Real-Time Processing</a:t>
           </a:r>
         </a:p>
       </dgm:t>
@@ -9194,8 +9194,8 @@
         <a:lstStyle/>
         <a:p>
           <a:r>
-            <a:rPr lang="en-US"/>
-            <a:t>- Modular design for parallel execution.</a:t>
+            <a:rPr lang="en-US" dirty="0"/>
+            <a:t>Modular design for parallel execution.</a:t>
           </a:r>
         </a:p>
       </dgm:t>
@@ -9230,8 +9230,8 @@
         <a:lstStyle/>
         <a:p>
           <a:r>
-            <a:rPr lang="en-US"/>
-            <a:t>- Robustness:</a:t>
+            <a:rPr lang="en-US" dirty="0"/>
+            <a:t>Robustness</a:t>
           </a:r>
         </a:p>
       </dgm:t>
@@ -9266,8 +9266,8 @@
         <a:lstStyle/>
         <a:p>
           <a:r>
-            <a:rPr lang="en-US"/>
-            <a:t>- Adaptable to dynamic streaming healthcare data.</a:t>
+            <a:rPr lang="en-US" dirty="0"/>
+            <a:t>Adaptable to dynamic streaming healthcare data.</a:t>
           </a:r>
         </a:p>
       </dgm:t>
@@ -9452,8 +9452,8 @@
             <a:defRPr cap="all"/>
           </a:pPr>
           <a:r>
-            <a:rPr lang="en-US"/>
-            <a:t>- Key Takeaways:</a:t>
+            <a:rPr lang="en-US" dirty="0"/>
+            <a:t>Key Takeaways</a:t>
           </a:r>
         </a:p>
       </dgm:t>
@@ -9494,8 +9494,8 @@
             <a:defRPr cap="all"/>
           </a:pPr>
           <a:r>
-            <a:rPr lang="en-US"/>
-            <a:t>- Addresses challenges of noise, scalability, and real-time demands.</a:t>
+            <a:rPr lang="en-US" dirty="0"/>
+            <a:t>Addresses challenges of noise, scalability, and real-time demands.</a:t>
           </a:r>
         </a:p>
       </dgm:t>
@@ -9536,8 +9536,8 @@
             <a:defRPr cap="all"/>
           </a:pPr>
           <a:r>
-            <a:rPr lang="en-US"/>
-            <a:t>- Clear performance improvements over traditional FCM.</a:t>
+            <a:rPr lang="en-US" dirty="0"/>
+            <a:t>Clear performance improvements over traditional FCM.</a:t>
           </a:r>
         </a:p>
       </dgm:t>
@@ -9578,8 +9578,8 @@
             <a:defRPr cap="all"/>
           </a:pPr>
           <a:r>
-            <a:rPr lang="en-US"/>
-            <a:t>- Future Directions:</a:t>
+            <a:rPr lang="en-US" dirty="0"/>
+            <a:t>Future Directions</a:t>
           </a:r>
         </a:p>
       </dgm:t>
@@ -9620,8 +9620,8 @@
             <a:defRPr cap="all"/>
           </a:pPr>
           <a:r>
-            <a:rPr lang="en-US"/>
-            <a:t>- Integration with anomaly detection.</a:t>
+            <a:rPr lang="en-US" dirty="0"/>
+            <a:t>Integration with anomaly detection.</a:t>
           </a:r>
         </a:p>
       </dgm:t>
@@ -9662,8 +9662,8 @@
             <a:defRPr cap="all"/>
           </a:pPr>
           <a:r>
-            <a:rPr lang="en-US"/>
-            <a:t>- Deployment on IoT healthcare devices.</a:t>
+            <a:rPr lang="en-US" dirty="0"/>
+            <a:t>Deployment on IoT healthcare devices.</a:t>
           </a:r>
         </a:p>
       </dgm:t>
@@ -9704,8 +9704,8 @@
             <a:defRPr cap="all"/>
           </a:pPr>
           <a:r>
-            <a:rPr lang="en-US"/>
-            <a:t>- Questions?</a:t>
+            <a:rPr lang="en-US" dirty="0"/>
+            <a:t>Questions?</a:t>
           </a:r>
         </a:p>
       </dgm:t>
@@ -10328,8 +10328,8 @@
             <a:buNone/>
           </a:pPr>
           <a:r>
-            <a:rPr lang="en-US" sz="2000" kern="1200"/>
-            <a:t>- Importance of Clustering in Healthcare:</a:t>
+            <a:rPr lang="en-US" sz="2000" kern="1200" dirty="0"/>
+            <a:t>Importance of Clustering in Healthcare:</a:t>
           </a:r>
         </a:p>
       </dsp:txBody>
@@ -10508,8 +10508,8 @@
             <a:buNone/>
           </a:pPr>
           <a:r>
-            <a:rPr lang="en-US" sz="2000" kern="1200"/>
-            <a:t>- Identifying patterns in patient data.</a:t>
+            <a:rPr lang="en-US" sz="2000" kern="1200" dirty="0"/>
+            <a:t>Identifying patterns in patient data.</a:t>
           </a:r>
         </a:p>
       </dsp:txBody>
@@ -10682,8 +10682,8 @@
             <a:buNone/>
           </a:pPr>
           <a:r>
-            <a:rPr lang="en-US" sz="2000" kern="1200"/>
-            <a:t>- Enabling personalized treatment.</a:t>
+            <a:rPr lang="en-US" sz="2000" kern="1200" dirty="0"/>
+            <a:t>Enabling personalized treatment.</a:t>
           </a:r>
         </a:p>
       </dsp:txBody>
@@ -10862,8 +10862,8 @@
             <a:buNone/>
           </a:pPr>
           <a:r>
-            <a:rPr lang="en-US" sz="2000" kern="1200"/>
-            <a:t>- Challenges:</a:t>
+            <a:rPr lang="en-US" sz="2000" kern="1200" dirty="0"/>
+            <a:t>Challenges</a:t>
           </a:r>
         </a:p>
       </dsp:txBody>
@@ -11036,8 +11036,8 @@
             <a:buNone/>
           </a:pPr>
           <a:r>
-            <a:rPr lang="en-US" sz="2000" kern="1200"/>
-            <a:t>- Noisy and incomplete data.</a:t>
+            <a:rPr lang="en-US" sz="2000" kern="1200" dirty="0"/>
+            <a:t>Noisy and incomplete data.</a:t>
           </a:r>
         </a:p>
       </dsp:txBody>
@@ -11216,8 +11216,8 @@
             <a:buNone/>
           </a:pPr>
           <a:r>
-            <a:rPr lang="en-US" sz="2000" kern="1200"/>
-            <a:t>- High dimensionality.</a:t>
+            <a:rPr lang="en-US" sz="2000" kern="1200" dirty="0"/>
+            <a:t>High dimensionality.</a:t>
           </a:r>
         </a:p>
       </dsp:txBody>
@@ -11310,8 +11310,8 @@
             <a:buNone/>
           </a:pPr>
           <a:r>
-            <a:rPr lang="en-US" sz="2000" kern="1200"/>
-            <a:t>- Real-time processing needs.</a:t>
+            <a:rPr lang="en-US" sz="2000" kern="1200" dirty="0"/>
+            <a:t>Real-time processing needs.</a:t>
           </a:r>
         </a:p>
       </dsp:txBody>
@@ -11438,8 +11438,8 @@
             <a:buNone/>
           </a:pPr>
           <a:r>
-            <a:rPr lang="en-US" sz="1300" kern="1200"/>
-            <a:t>- Traditional Algorithms’ Shortcomings:</a:t>
+            <a:rPr lang="en-US" sz="1300" kern="1200" dirty="0"/>
+            <a:t>Traditional Algorithms’ Shortcomings</a:t>
           </a:r>
         </a:p>
       </dsp:txBody>
@@ -11554,8 +11554,8 @@
             <a:buNone/>
           </a:pPr>
           <a:r>
-            <a:rPr lang="en-US" sz="1300" kern="1200"/>
-            <a:t>- FCM: Sensitive to noise and outliers.</a:t>
+            <a:rPr lang="en-US" sz="1300" kern="1200" dirty="0"/>
+            <a:t>FCM: Sensitive to noise and outliers.</a:t>
           </a:r>
         </a:p>
       </dsp:txBody>
@@ -11670,8 +11670,8 @@
             <a:buNone/>
           </a:pPr>
           <a:r>
-            <a:rPr lang="en-US" sz="1300" kern="1200"/>
-            <a:t>- Scalability issues with high-dimensional data.</a:t>
+            <a:rPr lang="en-US" sz="1300" kern="1200" dirty="0"/>
+            <a:t>Scalability issues with high-dimensional data.</a:t>
           </a:r>
         </a:p>
       </dsp:txBody>
@@ -11786,8 +11786,8 @@
             <a:buNone/>
           </a:pPr>
           <a:r>
-            <a:rPr lang="en-US" sz="1300" kern="1200"/>
-            <a:t>- Limited interpretability for overlapping clusters.</a:t>
+            <a:rPr lang="en-US" sz="1300" kern="1200" dirty="0"/>
+            <a:t>Limited interpretability for overlapping clusters.</a:t>
           </a:r>
         </a:p>
       </dsp:txBody>
@@ -11902,8 +11902,8 @@
             <a:buNone/>
           </a:pPr>
           <a:r>
-            <a:rPr lang="en-US" sz="1300" kern="1200"/>
-            <a:t>- Objective: Develop a robust and scalable soft clustering algorithm.</a:t>
+            <a:rPr lang="en-US" sz="1300" kern="1200" dirty="0"/>
+            <a:t>Objective: Develop a robust and scalable soft clustering algorithm.</a:t>
           </a:r>
         </a:p>
       </dsp:txBody>
@@ -12030,8 +12030,8 @@
             <a:buNone/>
           </a:pPr>
           <a:r>
-            <a:rPr lang="en-US" sz="1200" kern="1200"/>
-            <a:t>- Key Features:</a:t>
+            <a:rPr lang="en-US" sz="1200" kern="1200" dirty="0"/>
+            <a:t>Key Features</a:t>
           </a:r>
         </a:p>
       </dsp:txBody>
@@ -12146,8 +12146,8 @@
             <a:buNone/>
           </a:pPr>
           <a:r>
-            <a:rPr lang="en-US" sz="1200" kern="1200"/>
-            <a:t>- Hybrid Distance Metric: Combines Euclidean and Mahalanobis distances.</a:t>
+            <a:rPr lang="en-US" sz="1200" kern="1200" dirty="0"/>
+            <a:t>Hybrid Distance Metric: Combines Euclidean and Mahalanobis distances.</a:t>
           </a:r>
         </a:p>
       </dsp:txBody>
@@ -12262,8 +12262,8 @@
             <a:buNone/>
           </a:pPr>
           <a:r>
-            <a:rPr lang="en-US" sz="1200" kern="1200"/>
-            <a:t>- Dynamic Membership Updates: Adapts to data uncertainty.</a:t>
+            <a:rPr lang="en-US" sz="1200" kern="1200" dirty="0"/>
+            <a:t>Dynamic Membership Updates: Adapts to data uncertainty.</a:t>
           </a:r>
         </a:p>
       </dsp:txBody>
@@ -12378,8 +12378,8 @@
             <a:buNone/>
           </a:pPr>
           <a:r>
-            <a:rPr lang="en-US" sz="1200" kern="1200"/>
-            <a:t>- Noise Cluster Inclusion: Handles outliers effectively.</a:t>
+            <a:rPr lang="en-US" sz="1200" kern="1200" dirty="0"/>
+            <a:t>Noise Cluster Inclusion: Handles outliers effectively.</a:t>
           </a:r>
         </a:p>
       </dsp:txBody>
@@ -12494,8 +12494,8 @@
             <a:buNone/>
           </a:pPr>
           <a:r>
-            <a:rPr lang="en-US" sz="1200" kern="1200"/>
-            <a:t>- Advantages:</a:t>
+            <a:rPr lang="en-US" sz="1200" kern="1200" dirty="0"/>
+            <a:t>Advantages</a:t>
           </a:r>
         </a:p>
       </dsp:txBody>
@@ -12610,8 +12610,8 @@
             <a:buNone/>
           </a:pPr>
           <a:r>
-            <a:rPr lang="en-US" sz="1200" kern="1200"/>
-            <a:t>- Enhanced accuracy and noise resilience.</a:t>
+            <a:rPr lang="en-US" sz="1200" kern="1200" dirty="0"/>
+            <a:t>Enhanced accuracy and noise resilience.</a:t>
           </a:r>
         </a:p>
       </dsp:txBody>
@@ -12726,8 +12726,8 @@
             <a:buNone/>
           </a:pPr>
           <a:r>
-            <a:rPr lang="en-US" sz="1200" kern="1200"/>
-            <a:t>- Real-time suitability.</a:t>
+            <a:rPr lang="en-US" sz="1200" kern="1200" dirty="0"/>
+            <a:t>Real-time suitability.</a:t>
           </a:r>
         </a:p>
       </dsp:txBody>
@@ -12815,8 +12815,8 @@
             <a:buNone/>
           </a:pPr>
           <a:r>
-            <a:rPr lang="en-US" sz="800" kern="1200"/>
-            <a:t>- Workflow:</a:t>
+            <a:rPr lang="en-US" sz="800" kern="1200" dirty="0"/>
+            <a:t>Workflow:</a:t>
           </a:r>
         </a:p>
       </dsp:txBody>
@@ -13550,8 +13550,8 @@
             <a:buNone/>
           </a:pPr>
           <a:r>
-            <a:rPr lang="en-US" sz="800" kern="1200"/>
-            <a:t>- Parameters:</a:t>
+            <a:rPr lang="en-US" sz="800" kern="1200" dirty="0"/>
+            <a:t>Parameters</a:t>
           </a:r>
         </a:p>
       </dsp:txBody>
@@ -13697,8 +13697,8 @@
             <a:buNone/>
           </a:pPr>
           <a:r>
-            <a:rPr lang="en-US" sz="800" kern="1200"/>
-            <a:t>- Number of clusters (k).</a:t>
+            <a:rPr lang="en-US" sz="800" kern="1200" dirty="0"/>
+            <a:t>Number of clusters (k).</a:t>
           </a:r>
         </a:p>
       </dsp:txBody>
@@ -13844,8 +13844,8 @@
             <a:buNone/>
           </a:pPr>
           <a:r>
-            <a:rPr lang="en-US" sz="800" kern="1200"/>
-            <a:t>- Fuzziness parameter (m).</a:t>
+            <a:rPr lang="en-US" sz="800" kern="1200" dirty="0"/>
+            <a:t>Fuzziness parameter (m).</a:t>
           </a:r>
         </a:p>
       </dsp:txBody>
@@ -13991,8 +13991,8 @@
             <a:buNone/>
           </a:pPr>
           <a:r>
-            <a:rPr lang="en-US" sz="800" kern="1200"/>
-            <a:t>- Hybridization coefficient (α).</a:t>
+            <a:rPr lang="en-US" sz="800" kern="1200" dirty="0"/>
+            <a:t>Hybridization coefficient (α).</a:t>
           </a:r>
         </a:p>
       </dsp:txBody>
@@ -14090,8 +14090,8 @@
       </dsp:nvSpPr>
       <dsp:spPr>
         <a:xfrm>
-          <a:off x="0" y="133468"/>
-          <a:ext cx="8229600" cy="551655"/>
+          <a:off x="0" y="40881"/>
+          <a:ext cx="8229600" cy="575639"/>
         </a:xfrm>
         <a:prstGeom prst="roundRect">
           <a:avLst/>
@@ -14132,12 +14132,12 @@
         </a:fontRef>
       </dsp:style>
       <dsp:txBody>
-        <a:bodyPr spcFirstLastPara="0" vert="horz" wrap="square" lIns="87630" tIns="87630" rIns="87630" bIns="87630" numCol="1" spcCol="1270" anchor="ctr" anchorCtr="0">
+        <a:bodyPr spcFirstLastPara="0" vert="horz" wrap="square" lIns="91440" tIns="91440" rIns="91440" bIns="91440" numCol="1" spcCol="1270" anchor="ctr" anchorCtr="0">
           <a:noAutofit/>
         </a:bodyPr>
         <a:lstStyle/>
         <a:p>
-          <a:pPr marL="0" lvl="0" indent="0" algn="l" defTabSz="1022350">
+          <a:pPr marL="0" lvl="0" indent="0" algn="l" defTabSz="1066800">
             <a:lnSpc>
               <a:spcPct val="90000"/>
             </a:lnSpc>
@@ -14150,14 +14150,14 @@
             <a:buNone/>
           </a:pPr>
           <a:r>
-            <a:rPr lang="en-US" sz="2300" kern="1200"/>
-            <a:t>- Datasets:</a:t>
+            <a:rPr lang="en-US" sz="2400" kern="1200" dirty="0"/>
+            <a:t>Datasets</a:t>
           </a:r>
         </a:p>
       </dsp:txBody>
       <dsp:txXfrm>
-        <a:off x="26930" y="160398"/>
-        <a:ext cx="8175740" cy="497795"/>
+        <a:off x="28100" y="68981"/>
+        <a:ext cx="8173400" cy="519439"/>
       </dsp:txXfrm>
     </dsp:sp>
     <dsp:sp modelId="{BCDB4889-A29A-4FC3-928C-0F8B3856EE13}">
@@ -14167,8 +14167,8 @@
       </dsp:nvSpPr>
       <dsp:spPr>
         <a:xfrm>
-          <a:off x="0" y="751363"/>
-          <a:ext cx="8229600" cy="551655"/>
+          <a:off x="0" y="685641"/>
+          <a:ext cx="8229600" cy="575639"/>
         </a:xfrm>
         <a:prstGeom prst="roundRect">
           <a:avLst/>
@@ -14209,12 +14209,12 @@
         </a:fontRef>
       </dsp:style>
       <dsp:txBody>
-        <a:bodyPr spcFirstLastPara="0" vert="horz" wrap="square" lIns="87630" tIns="87630" rIns="87630" bIns="87630" numCol="1" spcCol="1270" anchor="ctr" anchorCtr="0">
+        <a:bodyPr spcFirstLastPara="0" vert="horz" wrap="square" lIns="91440" tIns="91440" rIns="91440" bIns="91440" numCol="1" spcCol="1270" anchor="ctr" anchorCtr="0">
           <a:noAutofit/>
         </a:bodyPr>
         <a:lstStyle/>
         <a:p>
-          <a:pPr marL="0" lvl="0" indent="0" algn="l" defTabSz="1022350">
+          <a:pPr marL="0" lvl="0" indent="0" algn="l" defTabSz="1066800">
             <a:lnSpc>
               <a:spcPct val="90000"/>
             </a:lnSpc>
@@ -14227,14 +14227,14 @@
             <a:buNone/>
           </a:pPr>
           <a:r>
-            <a:rPr lang="en-US" sz="2300" kern="1200"/>
-            <a:t>- Synthetic noisy 2D datasets.</a:t>
+            <a:rPr lang="en-US" sz="2400" kern="1200" dirty="0"/>
+            <a:t>Synthetic noisy 2D datasets.</a:t>
           </a:r>
         </a:p>
       </dsp:txBody>
       <dsp:txXfrm>
-        <a:off x="26930" y="778293"/>
-        <a:ext cx="8175740" cy="497795"/>
+        <a:off x="28100" y="713741"/>
+        <a:ext cx="8173400" cy="519439"/>
       </dsp:txXfrm>
     </dsp:sp>
     <dsp:sp modelId="{2A28F6A3-1880-4915-B07A-5642E9C4A6B9}">
@@ -14244,8 +14244,8 @@
       </dsp:nvSpPr>
       <dsp:spPr>
         <a:xfrm>
-          <a:off x="0" y="1369258"/>
-          <a:ext cx="8229600" cy="551655"/>
+          <a:off x="0" y="1330401"/>
+          <a:ext cx="8229600" cy="575639"/>
         </a:xfrm>
         <a:prstGeom prst="roundRect">
           <a:avLst/>
@@ -14286,12 +14286,12 @@
         </a:fontRef>
       </dsp:style>
       <dsp:txBody>
-        <a:bodyPr spcFirstLastPara="0" vert="horz" wrap="square" lIns="87630" tIns="87630" rIns="87630" bIns="87630" numCol="1" spcCol="1270" anchor="ctr" anchorCtr="0">
+        <a:bodyPr spcFirstLastPara="0" vert="horz" wrap="square" lIns="91440" tIns="91440" rIns="91440" bIns="91440" numCol="1" spcCol="1270" anchor="ctr" anchorCtr="0">
           <a:noAutofit/>
         </a:bodyPr>
         <a:lstStyle/>
         <a:p>
-          <a:pPr marL="0" lvl="0" indent="0" algn="l" defTabSz="1022350">
+          <a:pPr marL="0" lvl="0" indent="0" algn="l" defTabSz="1066800">
             <a:lnSpc>
               <a:spcPct val="90000"/>
             </a:lnSpc>
@@ -14304,14 +14304,14 @@
             <a:buNone/>
           </a:pPr>
           <a:r>
-            <a:rPr lang="en-US" sz="2300" kern="1200"/>
-            <a:t>- Real-world healthcare dataset (e.g., UCI Heart Disease dataset).</a:t>
+            <a:rPr lang="en-US" sz="2400" kern="1200" dirty="0"/>
+            <a:t>Real-world healthcare dataset (e.g., UCI Heart Disease dataset).</a:t>
           </a:r>
         </a:p>
       </dsp:txBody>
       <dsp:txXfrm>
-        <a:off x="26930" y="1396188"/>
-        <a:ext cx="8175740" cy="497795"/>
+        <a:off x="28100" y="1358501"/>
+        <a:ext cx="8173400" cy="519439"/>
       </dsp:txXfrm>
     </dsp:sp>
     <dsp:sp modelId="{14D58ACF-5619-4C1B-92CB-7E9E7FF05598}">
@@ -14321,8 +14321,8 @@
       </dsp:nvSpPr>
       <dsp:spPr>
         <a:xfrm>
-          <a:off x="0" y="1987153"/>
-          <a:ext cx="8229600" cy="551655"/>
+          <a:off x="0" y="1975161"/>
+          <a:ext cx="8229600" cy="575639"/>
         </a:xfrm>
         <a:prstGeom prst="roundRect">
           <a:avLst/>
@@ -14363,12 +14363,12 @@
         </a:fontRef>
       </dsp:style>
       <dsp:txBody>
-        <a:bodyPr spcFirstLastPara="0" vert="horz" wrap="square" lIns="87630" tIns="87630" rIns="87630" bIns="87630" numCol="1" spcCol="1270" anchor="ctr" anchorCtr="0">
+        <a:bodyPr spcFirstLastPara="0" vert="horz" wrap="square" lIns="91440" tIns="91440" rIns="91440" bIns="91440" numCol="1" spcCol="1270" anchor="ctr" anchorCtr="0">
           <a:noAutofit/>
         </a:bodyPr>
         <a:lstStyle/>
         <a:p>
-          <a:pPr marL="0" lvl="0" indent="0" algn="l" defTabSz="1022350">
+          <a:pPr marL="0" lvl="0" indent="0" algn="l" defTabSz="1066800">
             <a:lnSpc>
               <a:spcPct val="90000"/>
             </a:lnSpc>
@@ -14381,14 +14381,14 @@
             <a:buNone/>
           </a:pPr>
           <a:r>
-            <a:rPr lang="en-US" sz="2300" kern="1200"/>
-            <a:t>- Performance Metrics:</a:t>
+            <a:rPr lang="en-US" sz="2400" kern="1200" dirty="0"/>
+            <a:t>Performance Metrics</a:t>
           </a:r>
         </a:p>
       </dsp:txBody>
       <dsp:txXfrm>
-        <a:off x="26930" y="2014083"/>
-        <a:ext cx="8175740" cy="497795"/>
+        <a:off x="28100" y="2003261"/>
+        <a:ext cx="8173400" cy="519439"/>
       </dsp:txXfrm>
     </dsp:sp>
     <dsp:sp modelId="{3A6B9F09-F8BC-44C5-84BB-51A18A314820}">
@@ -14398,8 +14398,8 @@
       </dsp:nvSpPr>
       <dsp:spPr>
         <a:xfrm>
-          <a:off x="0" y="2605049"/>
-          <a:ext cx="8229600" cy="551655"/>
+          <a:off x="0" y="2619921"/>
+          <a:ext cx="8229600" cy="575639"/>
         </a:xfrm>
         <a:prstGeom prst="roundRect">
           <a:avLst/>
@@ -14440,12 +14440,12 @@
         </a:fontRef>
       </dsp:style>
       <dsp:txBody>
-        <a:bodyPr spcFirstLastPara="0" vert="horz" wrap="square" lIns="87630" tIns="87630" rIns="87630" bIns="87630" numCol="1" spcCol="1270" anchor="ctr" anchorCtr="0">
+        <a:bodyPr spcFirstLastPara="0" vert="horz" wrap="square" lIns="91440" tIns="91440" rIns="91440" bIns="91440" numCol="1" spcCol="1270" anchor="ctr" anchorCtr="0">
           <a:noAutofit/>
         </a:bodyPr>
         <a:lstStyle/>
         <a:p>
-          <a:pPr marL="0" lvl="0" indent="0" algn="l" defTabSz="1022350">
+          <a:pPr marL="0" lvl="0" indent="0" algn="l" defTabSz="1066800">
             <a:lnSpc>
               <a:spcPct val="90000"/>
             </a:lnSpc>
@@ -14458,14 +14458,14 @@
             <a:buNone/>
           </a:pPr>
           <a:r>
-            <a:rPr lang="en-US" sz="2300" kern="1200"/>
-            <a:t>- Accuracy: Enhanced Algorithm (92%) vs. FCM (85%).</a:t>
+            <a:rPr lang="en-US" sz="2400" kern="1200" dirty="0"/>
+            <a:t>Accuracy: Enhanced Algorithm (92%) vs. FCM (85%).</a:t>
           </a:r>
         </a:p>
       </dsp:txBody>
       <dsp:txXfrm>
-        <a:off x="26930" y="2631979"/>
-        <a:ext cx="8175740" cy="497795"/>
+        <a:off x="28100" y="2648021"/>
+        <a:ext cx="8173400" cy="519439"/>
       </dsp:txXfrm>
     </dsp:sp>
     <dsp:sp modelId="{7AB7991B-97B9-40DE-944F-BB1451EE493E}">
@@ -14475,8 +14475,8 @@
       </dsp:nvSpPr>
       <dsp:spPr>
         <a:xfrm>
-          <a:off x="0" y="3222944"/>
-          <a:ext cx="8229600" cy="551655"/>
+          <a:off x="0" y="3264681"/>
+          <a:ext cx="8229600" cy="575639"/>
         </a:xfrm>
         <a:prstGeom prst="roundRect">
           <a:avLst/>
@@ -14517,12 +14517,12 @@
         </a:fontRef>
       </dsp:style>
       <dsp:txBody>
-        <a:bodyPr spcFirstLastPara="0" vert="horz" wrap="square" lIns="87630" tIns="87630" rIns="87630" bIns="87630" numCol="1" spcCol="1270" anchor="ctr" anchorCtr="0">
+        <a:bodyPr spcFirstLastPara="0" vert="horz" wrap="square" lIns="91440" tIns="91440" rIns="91440" bIns="91440" numCol="1" spcCol="1270" anchor="ctr" anchorCtr="0">
           <a:noAutofit/>
         </a:bodyPr>
         <a:lstStyle/>
         <a:p>
-          <a:pPr marL="0" lvl="0" indent="0" algn="l" defTabSz="1022350">
+          <a:pPr marL="0" lvl="0" indent="0" algn="l" defTabSz="1066800">
             <a:lnSpc>
               <a:spcPct val="90000"/>
             </a:lnSpc>
@@ -14535,14 +14535,14 @@
             <a:buNone/>
           </a:pPr>
           <a:r>
-            <a:rPr lang="en-US" sz="2300" kern="1200"/>
-            <a:t>- Silhouette Score: Enhanced (0.78) vs. FCM (0.65).</a:t>
+            <a:rPr lang="en-US" sz="2400" kern="1200" dirty="0"/>
+            <a:t>Silhouette Score: Enhanced (0.78) vs. FCM (0.65).</a:t>
           </a:r>
         </a:p>
       </dsp:txBody>
       <dsp:txXfrm>
-        <a:off x="26930" y="3249874"/>
-        <a:ext cx="8175740" cy="497795"/>
+        <a:off x="28100" y="3292781"/>
+        <a:ext cx="8173400" cy="519439"/>
       </dsp:txXfrm>
     </dsp:sp>
     <dsp:sp modelId="{26A4E0D9-DA16-4218-B441-2DCD60C87989}">
@@ -14552,8 +14552,8 @@
       </dsp:nvSpPr>
       <dsp:spPr>
         <a:xfrm>
-          <a:off x="0" y="3840839"/>
-          <a:ext cx="8229600" cy="551655"/>
+          <a:off x="0" y="3909441"/>
+          <a:ext cx="8229600" cy="575639"/>
         </a:xfrm>
         <a:prstGeom prst="roundRect">
           <a:avLst/>
@@ -14594,12 +14594,12 @@
         </a:fontRef>
       </dsp:style>
       <dsp:txBody>
-        <a:bodyPr spcFirstLastPara="0" vert="horz" wrap="square" lIns="87630" tIns="87630" rIns="87630" bIns="87630" numCol="1" spcCol="1270" anchor="ctr" anchorCtr="0">
+        <a:bodyPr spcFirstLastPara="0" vert="horz" wrap="square" lIns="91440" tIns="91440" rIns="91440" bIns="91440" numCol="1" spcCol="1270" anchor="ctr" anchorCtr="0">
           <a:noAutofit/>
         </a:bodyPr>
         <a:lstStyle/>
         <a:p>
-          <a:pPr marL="0" lvl="0" indent="0" algn="l" defTabSz="1022350">
+          <a:pPr marL="0" lvl="0" indent="0" algn="l" defTabSz="1066800">
             <a:lnSpc>
               <a:spcPct val="90000"/>
             </a:lnSpc>
@@ -14612,14 +14612,14 @@
             <a:buNone/>
           </a:pPr>
           <a:r>
-            <a:rPr lang="en-US" sz="2300" kern="1200"/>
-            <a:t>- Execution Time: Comparable with superior noise handling.</a:t>
+            <a:rPr lang="en-US" sz="2400" kern="1200" dirty="0"/>
+            <a:t>Execution Time: Comparable with superior noise handling.</a:t>
           </a:r>
         </a:p>
       </dsp:txBody>
       <dsp:txXfrm>
-        <a:off x="26930" y="3867769"/>
-        <a:ext cx="8175740" cy="497795"/>
+        <a:off x="28100" y="3937541"/>
+        <a:ext cx="8173400" cy="519439"/>
       </dsp:txXfrm>
     </dsp:sp>
   </dsp:spTree>
@@ -14704,8 +14704,8 @@
             <a:buNone/>
           </a:pPr>
           <a:r>
-            <a:rPr lang="en-US" sz="1000" kern="1200"/>
-            <a:t>- Visuals:</a:t>
+            <a:rPr lang="en-US" sz="1000" kern="1200" dirty="0"/>
+            <a:t>Visuals</a:t>
           </a:r>
         </a:p>
       </dsp:txBody>
@@ -14784,8 +14784,8 @@
             <a:buNone/>
           </a:pPr>
           <a:r>
-            <a:rPr lang="en-US" sz="1000" kern="1200"/>
-            <a:t>- Cluster Maps: Clear separation of overlapping clusters.</a:t>
+            <a:rPr lang="en-US" sz="1000" kern="1200" dirty="0"/>
+            <a:t>Cluster Maps: Clear separation of overlapping clusters.</a:t>
           </a:r>
         </a:p>
       </dsp:txBody>
@@ -14864,8 +14864,8 @@
             <a:buNone/>
           </a:pPr>
           <a:r>
-            <a:rPr lang="en-US" sz="1000" kern="1200"/>
-            <a:t>- Performance Graphs:</a:t>
+            <a:rPr lang="en-US" sz="1000" kern="1200" dirty="0"/>
+            <a:t>Performance Graphs</a:t>
           </a:r>
         </a:p>
       </dsp:txBody>
@@ -14944,8 +14944,8 @@
             <a:buNone/>
           </a:pPr>
           <a:r>
-            <a:rPr lang="en-US" sz="1000" kern="1200"/>
-            <a:t>- Accuracy vs. Noise Levels.</a:t>
+            <a:rPr lang="en-US" sz="1000" kern="1200" dirty="0"/>
+            <a:t>Accuracy vs. Noise Levels.</a:t>
           </a:r>
         </a:p>
       </dsp:txBody>
@@ -15024,8 +15024,8 @@
             <a:buNone/>
           </a:pPr>
           <a:r>
-            <a:rPr lang="en-US" sz="1000" kern="1200"/>
-            <a:t>- Execution Time vs. Dataset Size.</a:t>
+            <a:rPr lang="en-US" sz="1000" kern="1200" dirty="0"/>
+            <a:t>Execution Time vs. Dataset Size.</a:t>
           </a:r>
         </a:p>
       </dsp:txBody>
@@ -15104,8 +15104,8 @@
             <a:buNone/>
           </a:pPr>
           <a:r>
-            <a:rPr lang="en-US" sz="1000" kern="1200"/>
-            <a:t>- Silhouette Analysis: Improved clustering quality.</a:t>
+            <a:rPr lang="en-US" sz="1000" kern="1200" dirty="0"/>
+            <a:t>Silhouette Analysis: Improved clustering quality.</a:t>
           </a:r>
         </a:p>
       </dsp:txBody>
@@ -15193,8 +15193,8 @@
             <a:buNone/>
           </a:pPr>
           <a:r>
-            <a:rPr lang="en-US" sz="2100" kern="1200"/>
-            <a:t>- Optimization Strategies:</a:t>
+            <a:rPr lang="en-US" sz="2100" kern="1200" dirty="0"/>
+            <a:t>Optimization Strategies</a:t>
           </a:r>
         </a:p>
       </dsp:txBody>
@@ -15270,8 +15270,8 @@
             <a:buNone/>
           </a:pPr>
           <a:r>
-            <a:rPr lang="en-US" sz="2100" kern="1200"/>
-            <a:t>- Efficient updates reduce computational overhead.</a:t>
+            <a:rPr lang="en-US" sz="2100" kern="1200" dirty="0"/>
+            <a:t>Efficient updates reduce computational overhead.</a:t>
           </a:r>
         </a:p>
       </dsp:txBody>
@@ -15347,8 +15347,8 @@
             <a:buNone/>
           </a:pPr>
           <a:r>
-            <a:rPr lang="en-US" sz="2100" kern="1200"/>
-            <a:t>- Scalable for high-dimensional datasets.</a:t>
+            <a:rPr lang="en-US" sz="2100" kern="1200" dirty="0"/>
+            <a:t>Scalable for high-dimensional datasets.</a:t>
           </a:r>
         </a:p>
       </dsp:txBody>
@@ -15424,8 +15424,8 @@
             <a:buNone/>
           </a:pPr>
           <a:r>
-            <a:rPr lang="en-US" sz="2100" kern="1200"/>
-            <a:t>- Real-Time Processing:</a:t>
+            <a:rPr lang="en-US" sz="2100" kern="1200" dirty="0"/>
+            <a:t>Real-Time Processing</a:t>
           </a:r>
         </a:p>
       </dsp:txBody>
@@ -15501,8 +15501,8 @@
             <a:buNone/>
           </a:pPr>
           <a:r>
-            <a:rPr lang="en-US" sz="2100" kern="1200"/>
-            <a:t>- Modular design for parallel execution.</a:t>
+            <a:rPr lang="en-US" sz="2100" kern="1200" dirty="0"/>
+            <a:t>Modular design for parallel execution.</a:t>
           </a:r>
         </a:p>
       </dsp:txBody>
@@ -15578,8 +15578,8 @@
             <a:buNone/>
           </a:pPr>
           <a:r>
-            <a:rPr lang="en-US" sz="2100" kern="1200"/>
-            <a:t>- Robustness:</a:t>
+            <a:rPr lang="en-US" sz="2100" kern="1200" dirty="0"/>
+            <a:t>Robustness</a:t>
           </a:r>
         </a:p>
       </dsp:txBody>
@@ -15655,8 +15655,8 @@
             <a:buNone/>
           </a:pPr>
           <a:r>
-            <a:rPr lang="en-US" sz="2100" kern="1200"/>
-            <a:t>- Adaptable to dynamic streaming healthcare data.</a:t>
+            <a:rPr lang="en-US" sz="2100" kern="1200" dirty="0"/>
+            <a:t>Adaptable to dynamic streaming healthcare data.</a:t>
           </a:r>
         </a:p>
       </dsp:txBody>
@@ -15824,8 +15824,8 @@
             <a:defRPr cap="all"/>
           </a:pPr>
           <a:r>
-            <a:rPr lang="en-US" sz="1100" kern="1200"/>
-            <a:t>- Key Takeaways:</a:t>
+            <a:rPr lang="en-US" sz="1100" kern="1200" dirty="0"/>
+            <a:t>Key Takeaways</a:t>
           </a:r>
         </a:p>
       </dsp:txBody>
@@ -15981,8 +15981,8 @@
             <a:defRPr cap="all"/>
           </a:pPr>
           <a:r>
-            <a:rPr lang="en-US" sz="1100" kern="1200"/>
-            <a:t>- Addresses challenges of noise, scalability, and real-time demands.</a:t>
+            <a:rPr lang="en-US" sz="1100" kern="1200" dirty="0"/>
+            <a:t>Addresses challenges of noise, scalability, and real-time demands.</a:t>
           </a:r>
         </a:p>
       </dsp:txBody>
@@ -16138,8 +16138,8 @@
             <a:defRPr cap="all"/>
           </a:pPr>
           <a:r>
-            <a:rPr lang="en-US" sz="1100" kern="1200"/>
-            <a:t>- Clear performance improvements over traditional FCM.</a:t>
+            <a:rPr lang="en-US" sz="1100" kern="1200" dirty="0"/>
+            <a:t>Clear performance improvements over traditional FCM.</a:t>
           </a:r>
         </a:p>
       </dsp:txBody>
@@ -16295,8 +16295,8 @@
             <a:defRPr cap="all"/>
           </a:pPr>
           <a:r>
-            <a:rPr lang="en-US" sz="1100" kern="1200"/>
-            <a:t>- Future Directions:</a:t>
+            <a:rPr lang="en-US" sz="1100" kern="1200" dirty="0"/>
+            <a:t>Future Directions</a:t>
           </a:r>
         </a:p>
       </dsp:txBody>
@@ -16452,8 +16452,8 @@
             <a:defRPr cap="all"/>
           </a:pPr>
           <a:r>
-            <a:rPr lang="en-US" sz="1100" kern="1200"/>
-            <a:t>- Integration with anomaly detection.</a:t>
+            <a:rPr lang="en-US" sz="1100" kern="1200" dirty="0"/>
+            <a:t>Integration with anomaly detection.</a:t>
           </a:r>
         </a:p>
       </dsp:txBody>
@@ -16609,8 +16609,8 @@
             <a:defRPr cap="all"/>
           </a:pPr>
           <a:r>
-            <a:rPr lang="en-US" sz="1100" kern="1200"/>
-            <a:t>- Deployment on IoT healthcare devices.</a:t>
+            <a:rPr lang="en-US" sz="1100" kern="1200" dirty="0"/>
+            <a:t>Deployment on IoT healthcare devices.</a:t>
           </a:r>
         </a:p>
       </dsp:txBody>
@@ -16766,8 +16766,8 @@
             <a:defRPr cap="all"/>
           </a:pPr>
           <a:r>
-            <a:rPr lang="en-US" sz="1100" kern="1200"/>
-            <a:t>- Questions?</a:t>
+            <a:rPr lang="en-US" sz="1100" kern="1200" dirty="0"/>
+            <a:t>Questions?</a:t>
           </a:r>
         </a:p>
       </dsp:txBody>
@@ -26735,7 +26735,7 @@
           <a:p>
             <a:fld id="{5BCAD085-E8A6-8845-BD4E-CB4CCA059FC4}" type="datetimeFigureOut">
               <a:rPr lang="en-US" smtClean="0"/>
-              <a:t>12/26/2024</a:t>
+              <a:t>12/27/2024</a:t>
             </a:fld>
             <a:endParaRPr lang="en-US"/>
           </a:p>
@@ -26903,7 +26903,7 @@
           <a:p>
             <a:fld id="{5BCAD085-E8A6-8845-BD4E-CB4CCA059FC4}" type="datetimeFigureOut">
               <a:rPr lang="en-US" smtClean="0"/>
-              <a:t>12/26/2024</a:t>
+              <a:t>12/27/2024</a:t>
             </a:fld>
             <a:endParaRPr lang="en-US"/>
           </a:p>
@@ -27081,7 +27081,7 @@
           <a:p>
             <a:fld id="{5BCAD085-E8A6-8845-BD4E-CB4CCA059FC4}" type="datetimeFigureOut">
               <a:rPr lang="en-US" smtClean="0"/>
-              <a:t>12/26/2024</a:t>
+              <a:t>12/27/2024</a:t>
             </a:fld>
             <a:endParaRPr lang="en-US"/>
           </a:p>
@@ -27249,7 +27249,7 @@
           <a:p>
             <a:fld id="{5BCAD085-E8A6-8845-BD4E-CB4CCA059FC4}" type="datetimeFigureOut">
               <a:rPr lang="en-US" smtClean="0"/>
-              <a:t>12/26/2024</a:t>
+              <a:t>12/27/2024</a:t>
             </a:fld>
             <a:endParaRPr lang="en-US"/>
           </a:p>
@@ -27494,7 +27494,7 @@
           <a:p>
             <a:fld id="{5BCAD085-E8A6-8845-BD4E-CB4CCA059FC4}" type="datetimeFigureOut">
               <a:rPr lang="en-US" smtClean="0"/>
-              <a:t>12/26/2024</a:t>
+              <a:t>12/27/2024</a:t>
             </a:fld>
             <a:endParaRPr lang="en-US"/>
           </a:p>
@@ -27779,7 +27779,7 @@
           <a:p>
             <a:fld id="{5BCAD085-E8A6-8845-BD4E-CB4CCA059FC4}" type="datetimeFigureOut">
               <a:rPr lang="en-US" smtClean="0"/>
-              <a:t>12/26/2024</a:t>
+              <a:t>12/27/2024</a:t>
             </a:fld>
             <a:endParaRPr lang="en-US"/>
           </a:p>
@@ -28198,7 +28198,7 @@
           <a:p>
             <a:fld id="{5BCAD085-E8A6-8845-BD4E-CB4CCA059FC4}" type="datetimeFigureOut">
               <a:rPr lang="en-US" smtClean="0"/>
-              <a:t>12/26/2024</a:t>
+              <a:t>12/27/2024</a:t>
             </a:fld>
             <a:endParaRPr lang="en-US"/>
           </a:p>
@@ -28315,7 +28315,7 @@
           <a:p>
             <a:fld id="{5BCAD085-E8A6-8845-BD4E-CB4CCA059FC4}" type="datetimeFigureOut">
               <a:rPr lang="en-US" smtClean="0"/>
-              <a:t>12/26/2024</a:t>
+              <a:t>12/27/2024</a:t>
             </a:fld>
             <a:endParaRPr lang="en-US"/>
           </a:p>
@@ -28410,7 +28410,7 @@
           <a:p>
             <a:fld id="{5BCAD085-E8A6-8845-BD4E-CB4CCA059FC4}" type="datetimeFigureOut">
               <a:rPr lang="en-US" smtClean="0"/>
-              <a:t>12/26/2024</a:t>
+              <a:t>12/27/2024</a:t>
             </a:fld>
             <a:endParaRPr lang="en-US"/>
           </a:p>
@@ -28685,7 +28685,7 @@
           <a:p>
             <a:fld id="{5BCAD085-E8A6-8845-BD4E-CB4CCA059FC4}" type="datetimeFigureOut">
               <a:rPr lang="en-US" smtClean="0"/>
-              <a:t>12/26/2024</a:t>
+              <a:t>12/27/2024</a:t>
             </a:fld>
             <a:endParaRPr lang="en-US"/>
           </a:p>
@@ -28937,7 +28937,7 @@
           <a:p>
             <a:fld id="{5BCAD085-E8A6-8845-BD4E-CB4CCA059FC4}" type="datetimeFigureOut">
               <a:rPr lang="en-US" smtClean="0"/>
-              <a:t>12/26/2024</a:t>
+              <a:t>12/27/2024</a:t>
             </a:fld>
             <a:endParaRPr lang="en-US"/>
           </a:p>
@@ -29148,7 +29148,7 @@
           <a:p>
             <a:fld id="{5BCAD085-E8A6-8845-BD4E-CB4CCA059FC4}" type="datetimeFigureOut">
               <a:rPr lang="en-US" smtClean="0"/>
-              <a:t>12/26/2024</a:t>
+              <a:t>12/27/2024</a:t>
             </a:fld>
             <a:endParaRPr lang="en-US"/>
           </a:p>
@@ -29559,8 +29559,8 @@
               </a:lnSpc>
             </a:pPr>
             <a:r>
-              <a:rPr lang="en-US" sz="2700"/>
-              <a:t>Enhanced Soft Clustering Algorithm for Healthcare Data Analysis</a:t>
+              <a:rPr lang="en-US" sz="2700" dirty="0"/>
+              <a:t>Enhanced Soft Clustering Algorithm</a:t>
             </a:r>
           </a:p>
         </p:txBody>
@@ -29588,17 +29588,39 @@
           <a:lstStyle/>
           <a:p>
             <a:r>
-              <a:rPr lang="en-US" sz="2100"/>
+              <a:rPr lang="en-US" sz="2100" dirty="0"/>
               <a:t>Addressing Noise, Scalability, and Real-Time Constraints</a:t>
             </a:r>
           </a:p>
           <a:p>
-            <a:endParaRPr lang="en-US" sz="2100"/>
+            <a:endParaRPr lang="en-US" sz="2100" dirty="0"/>
           </a:p>
           <a:p>
             <a:r>
-              <a:rPr lang="en-US" sz="2100"/>
-              <a:t>Presented by: [Your Name/Team]</a:t>
+              <a:rPr lang="en-US" sz="2100" dirty="0"/>
+              <a:t>Presented by:</a:t>
+            </a:r>
+            <a:endParaRPr lang="en-US" sz="900" dirty="0"/>
+          </a:p>
+          <a:p>
+            <a:pPr lvl="1"/>
+            <a:r>
+              <a:rPr lang="en-US" sz="1700" dirty="0"/>
+              <a:t>Muhammad Mahad</a:t>
+            </a:r>
+          </a:p>
+          <a:p>
+            <a:pPr lvl="1"/>
+            <a:r>
+              <a:rPr lang="en-US" sz="1700" dirty="0"/>
+              <a:t>Mansoor Abid</a:t>
+            </a:r>
+          </a:p>
+          <a:p>
+            <a:pPr lvl="1"/>
+            <a:r>
+              <a:rPr lang="en-US" sz="1700" dirty="0"/>
+              <a:t>Waqar Ahmad</a:t>
             </a:r>
           </a:p>
         </p:txBody>
@@ -29830,6 +29852,11 @@
           </p:cNvGraphicFramePr>
           <p:nvPr>
             <p:ph idx="1"/>
+            <p:extLst>
+              <p:ext uri="{D42A27DB-BD31-4B8C-83A1-F6EECF244321}">
+                <p14:modId xmlns:p14="http://schemas.microsoft.com/office/powerpoint/2010/main" val="3682328073"/>
+              </p:ext>
+            </p:extLst>
           </p:nvPr>
         </p:nvGraphicFramePr>
         <p:xfrm>
@@ -30471,7 +30498,7 @@
             <p:ph idx="1"/>
             <p:extLst>
               <p:ext uri="{D42A27DB-BD31-4B8C-83A1-F6EECF244321}">
-                <p14:modId xmlns:p14="http://schemas.microsoft.com/office/powerpoint/2010/main" val="3539797278"/>
+                <p14:modId xmlns:p14="http://schemas.microsoft.com/office/powerpoint/2010/main" val="927692469"/>
               </p:ext>
             </p:extLst>
           </p:nvPr>
@@ -30546,6 +30573,11 @@
           </p:cNvGraphicFramePr>
           <p:nvPr>
             <p:ph idx="1"/>
+            <p:extLst>
+              <p:ext uri="{D42A27DB-BD31-4B8C-83A1-F6EECF244321}">
+                <p14:modId xmlns:p14="http://schemas.microsoft.com/office/powerpoint/2010/main" val="1842163479"/>
+              </p:ext>
+            </p:extLst>
           </p:nvPr>
         </p:nvGraphicFramePr>
         <p:xfrm>
@@ -31270,26 +31302,26 @@
           <a:lstStyle/>
           <a:p>
             <a:r>
-              <a:rPr lang="en-US" sz="1700"/>
-              <a:t>- Existing Approaches:</a:t>
+              <a:rPr lang="en-US" sz="1700" dirty="0"/>
+              <a:t>Existing Approaches:</a:t>
             </a:r>
           </a:p>
           <a:p>
             <a:r>
-              <a:rPr lang="en-US" sz="1700"/>
-              <a:t>  - Fuzzy C-Means (FCM): Good for overlapping clusters but noise-sensitive.</a:t>
+              <a:rPr lang="en-US" sz="1700" dirty="0"/>
+              <a:t>Fuzzy C-Means (FCM): Good for overlapping clusters but noise-sensitive.</a:t>
             </a:r>
           </a:p>
           <a:p>
             <a:r>
-              <a:rPr lang="en-US" sz="1700"/>
-              <a:t>  - Possibilistic FCM: Improved noise handling but computationally expensive.</a:t>
+              <a:rPr lang="en-US" sz="1700" dirty="0"/>
+              <a:t>Possibilistic FCM: Improved noise handling but computationally expensive.</a:t>
             </a:r>
           </a:p>
           <a:p>
             <a:r>
-              <a:rPr lang="en-US" sz="1700"/>
-              <a:t>- Gap Identified: No unified solution for noise, scalability, and real-time use.</a:t>
+              <a:rPr lang="en-US" sz="1700" dirty="0"/>
+              <a:t>Gap Identified: No unified solution for noise, scalability, and real-time use.</a:t>
             </a:r>
           </a:p>
         </p:txBody>
@@ -31354,6 +31386,11 @@
           </p:cNvGraphicFramePr>
           <p:nvPr>
             <p:ph idx="1"/>
+            <p:extLst>
+              <p:ext uri="{D42A27DB-BD31-4B8C-83A1-F6EECF244321}">
+                <p14:modId xmlns:p14="http://schemas.microsoft.com/office/powerpoint/2010/main" val="3518187655"/>
+              </p:ext>
+            </p:extLst>
           </p:nvPr>
         </p:nvGraphicFramePr>
         <p:xfrm>
@@ -31426,6 +31463,11 @@
           </p:cNvGraphicFramePr>
           <p:nvPr>
             <p:ph idx="1"/>
+            <p:extLst>
+              <p:ext uri="{D42A27DB-BD31-4B8C-83A1-F6EECF244321}">
+                <p14:modId xmlns:p14="http://schemas.microsoft.com/office/powerpoint/2010/main" val="26219548"/>
+              </p:ext>
+            </p:extLst>
           </p:nvPr>
         </p:nvGraphicFramePr>
         <p:xfrm>
@@ -31498,6 +31540,11 @@
           </p:cNvGraphicFramePr>
           <p:nvPr>
             <p:ph idx="1"/>
+            <p:extLst>
+              <p:ext uri="{D42A27DB-BD31-4B8C-83A1-F6EECF244321}">
+                <p14:modId xmlns:p14="http://schemas.microsoft.com/office/powerpoint/2010/main" val="74824021"/>
+              </p:ext>
+            </p:extLst>
           </p:nvPr>
         </p:nvGraphicFramePr>
         <p:xfrm>
@@ -31570,6 +31617,11 @@
           </p:cNvGraphicFramePr>
           <p:nvPr>
             <p:ph idx="1"/>
+            <p:extLst>
+              <p:ext uri="{D42A27DB-BD31-4B8C-83A1-F6EECF244321}">
+                <p14:modId xmlns:p14="http://schemas.microsoft.com/office/powerpoint/2010/main" val="3310187619"/>
+              </p:ext>
+            </p:extLst>
           </p:nvPr>
         </p:nvGraphicFramePr>
         <p:xfrm>
@@ -31642,6 +31694,11 @@
           </p:cNvGraphicFramePr>
           <p:nvPr>
             <p:ph idx="1"/>
+            <p:extLst>
+              <p:ext uri="{D42A27DB-BD31-4B8C-83A1-F6EECF244321}">
+                <p14:modId xmlns:p14="http://schemas.microsoft.com/office/powerpoint/2010/main" val="2492257129"/>
+              </p:ext>
+            </p:extLst>
           </p:nvPr>
         </p:nvGraphicFramePr>
         <p:xfrm>
